--- a/powerpoint/right_up_two_one.pptx
+++ b/powerpoint/right_up_two_one.pptx
@@ -243,7 +243,7 @@
           <a:p>
             <a:fld id="{9DF1ED94-BDBC-D74B-8638-89CABDF8037C}" type="datetimeFigureOut">
               <a:rPr kumimoji="1" lang="ja-JP" altLang="en-US" smtClean="0"/>
-              <a:t>2025/2/4</a:t>
+              <a:t>2025/2/5</a:t>
             </a:fld>
             <a:endParaRPr kumimoji="1" lang="ja-JP" altLang="en-US"/>
           </a:p>
@@ -445,7 +445,7 @@
           <a:p>
             <a:fld id="{9DF1ED94-BDBC-D74B-8638-89CABDF8037C}" type="datetimeFigureOut">
               <a:rPr kumimoji="1" lang="ja-JP" altLang="en-US" smtClean="0"/>
-              <a:t>2025/2/4</a:t>
+              <a:t>2025/2/5</a:t>
             </a:fld>
             <a:endParaRPr kumimoji="1" lang="ja-JP" altLang="en-US"/>
           </a:p>
@@ -657,7 +657,7 @@
           <a:p>
             <a:fld id="{9DF1ED94-BDBC-D74B-8638-89CABDF8037C}" type="datetimeFigureOut">
               <a:rPr kumimoji="1" lang="ja-JP" altLang="en-US" smtClean="0"/>
-              <a:t>2025/2/4</a:t>
+              <a:t>2025/2/5</a:t>
             </a:fld>
             <a:endParaRPr kumimoji="1" lang="ja-JP" altLang="en-US"/>
           </a:p>
@@ -859,7 +859,7 @@
           <a:p>
             <a:fld id="{9DF1ED94-BDBC-D74B-8638-89CABDF8037C}" type="datetimeFigureOut">
               <a:rPr kumimoji="1" lang="ja-JP" altLang="en-US" smtClean="0"/>
-              <a:t>2025/2/4</a:t>
+              <a:t>2025/2/5</a:t>
             </a:fld>
             <a:endParaRPr kumimoji="1" lang="ja-JP" altLang="en-US"/>
           </a:p>
@@ -1105,7 +1105,7 @@
           <a:p>
             <a:fld id="{9DF1ED94-BDBC-D74B-8638-89CABDF8037C}" type="datetimeFigureOut">
               <a:rPr kumimoji="1" lang="ja-JP" altLang="en-US" smtClean="0"/>
-              <a:t>2025/2/4</a:t>
+              <a:t>2025/2/5</a:t>
             </a:fld>
             <a:endParaRPr kumimoji="1" lang="ja-JP" altLang="en-US"/>
           </a:p>
@@ -1401,7 +1401,7 @@
           <a:p>
             <a:fld id="{9DF1ED94-BDBC-D74B-8638-89CABDF8037C}" type="datetimeFigureOut">
               <a:rPr kumimoji="1" lang="ja-JP" altLang="en-US" smtClean="0"/>
-              <a:t>2025/2/4</a:t>
+              <a:t>2025/2/5</a:t>
             </a:fld>
             <a:endParaRPr kumimoji="1" lang="ja-JP" altLang="en-US"/>
           </a:p>
@@ -1832,7 +1832,7 @@
           <a:p>
             <a:fld id="{9DF1ED94-BDBC-D74B-8638-89CABDF8037C}" type="datetimeFigureOut">
               <a:rPr kumimoji="1" lang="ja-JP" altLang="en-US" smtClean="0"/>
-              <a:t>2025/2/4</a:t>
+              <a:t>2025/2/5</a:t>
             </a:fld>
             <a:endParaRPr kumimoji="1" lang="ja-JP" altLang="en-US"/>
           </a:p>
@@ -1950,7 +1950,7 @@
           <a:p>
             <a:fld id="{9DF1ED94-BDBC-D74B-8638-89CABDF8037C}" type="datetimeFigureOut">
               <a:rPr kumimoji="1" lang="ja-JP" altLang="en-US" smtClean="0"/>
-              <a:t>2025/2/4</a:t>
+              <a:t>2025/2/5</a:t>
             </a:fld>
             <a:endParaRPr kumimoji="1" lang="ja-JP" altLang="en-US"/>
           </a:p>
@@ -2045,7 +2045,7 @@
           <a:p>
             <a:fld id="{9DF1ED94-BDBC-D74B-8638-89CABDF8037C}" type="datetimeFigureOut">
               <a:rPr kumimoji="1" lang="ja-JP" altLang="en-US" smtClean="0"/>
-              <a:t>2025/2/4</a:t>
+              <a:t>2025/2/5</a:t>
             </a:fld>
             <a:endParaRPr kumimoji="1" lang="ja-JP" altLang="en-US"/>
           </a:p>
@@ -2354,7 +2354,7 @@
           <a:p>
             <a:fld id="{9DF1ED94-BDBC-D74B-8638-89CABDF8037C}" type="datetimeFigureOut">
               <a:rPr kumimoji="1" lang="ja-JP" altLang="en-US" smtClean="0"/>
-              <a:t>2025/2/4</a:t>
+              <a:t>2025/2/5</a:t>
             </a:fld>
             <a:endParaRPr kumimoji="1" lang="ja-JP" altLang="en-US"/>
           </a:p>
@@ -2611,7 +2611,7 @@
           <a:p>
             <a:fld id="{9DF1ED94-BDBC-D74B-8638-89CABDF8037C}" type="datetimeFigureOut">
               <a:rPr kumimoji="1" lang="ja-JP" altLang="en-US" smtClean="0"/>
-              <a:t>2025/2/4</a:t>
+              <a:t>2025/2/5</a:t>
             </a:fld>
             <a:endParaRPr kumimoji="1" lang="ja-JP" altLang="en-US"/>
           </a:p>
@@ -2856,7 +2856,7 @@
           <a:p>
             <a:fld id="{9DF1ED94-BDBC-D74B-8638-89CABDF8037C}" type="datetimeFigureOut">
               <a:rPr kumimoji="1" lang="ja-JP" altLang="en-US" smtClean="0"/>
-              <a:t>2025/2/4</a:t>
+              <a:t>2025/2/5</a:t>
             </a:fld>
             <a:endParaRPr kumimoji="1" lang="ja-JP" altLang="en-US"/>
           </a:p>
@@ -3261,92 +3261,113 @@
           <a:chExt cx="0" cy="0"/>
         </a:xfrm>
       </p:grpSpPr>
-      <p:cxnSp>
-        <p:nvCxnSpPr>
-          <p:cNvPr id="2" name="直線コネクタ 1">
+      <p:grpSp>
+        <p:nvGrpSpPr>
+          <p:cNvPr id="3" name="グループ化 2">
             <a:extLst>
               <a:ext uri="{FF2B5EF4-FFF2-40B4-BE49-F238E27FC236}">
-                <a16:creationId xmlns:a16="http://schemas.microsoft.com/office/drawing/2014/main" id="{E023435E-A60D-9B69-1826-32D7C761AE5C}"/>
+                <a16:creationId xmlns:a16="http://schemas.microsoft.com/office/drawing/2014/main" id="{F395E190-A786-41AA-0748-C83A8C5AD13D}"/>
               </a:ext>
             </a:extLst>
           </p:cNvPr>
-          <p:cNvCxnSpPr>
-            <a:cxnSpLocks/>
-          </p:cNvCxnSpPr>
+          <p:cNvGrpSpPr/>
           <p:nvPr/>
-        </p:nvCxnSpPr>
-        <p:spPr>
+        </p:nvGrpSpPr>
+        <p:grpSpPr>
           <a:xfrm>
-            <a:off x="1828800" y="1051914"/>
-            <a:ext cx="7850038" cy="8695935"/>
+            <a:off x="1120925" y="1051914"/>
+            <a:ext cx="8557913" cy="8695935"/>
+            <a:chOff x="1120925" y="1051914"/>
+            <a:chExt cx="8557913" cy="8695935"/>
           </a:xfrm>
-          <a:prstGeom prst="line">
-            <a:avLst/>
-          </a:prstGeom>
-          <a:ln w="76200">
-            <a:solidFill>
+        </p:grpSpPr>
+        <p:cxnSp>
+          <p:nvCxnSpPr>
+            <p:cNvPr id="2" name="直線コネクタ 1">
+              <a:extLst>
+                <a:ext uri="{FF2B5EF4-FFF2-40B4-BE49-F238E27FC236}">
+                  <a16:creationId xmlns:a16="http://schemas.microsoft.com/office/drawing/2014/main" id="{E023435E-A60D-9B69-1826-32D7C761AE5C}"/>
+                </a:ext>
+              </a:extLst>
+            </p:cNvPr>
+            <p:cNvCxnSpPr>
+              <a:cxnSpLocks/>
+            </p:cNvCxnSpPr>
+            <p:nvPr/>
+          </p:nvCxnSpPr>
+          <p:spPr>
+            <a:xfrm>
+              <a:off x="1828800" y="1051914"/>
+              <a:ext cx="7850038" cy="8695935"/>
+            </a:xfrm>
+            <a:prstGeom prst="line">
+              <a:avLst/>
+            </a:prstGeom>
+            <a:ln w="1270000">
+              <a:solidFill>
+                <a:schemeClr val="tx1"/>
+              </a:solidFill>
+            </a:ln>
+          </p:spPr>
+          <p:style>
+            <a:lnRef idx="2">
+              <a:schemeClr val="accent1"/>
+            </a:lnRef>
+            <a:fillRef idx="0">
+              <a:schemeClr val="accent1"/>
+            </a:fillRef>
+            <a:effectRef idx="1">
+              <a:schemeClr val="accent1"/>
+            </a:effectRef>
+            <a:fontRef idx="minor">
               <a:schemeClr val="tx1"/>
-            </a:solidFill>
-          </a:ln>
-        </p:spPr>
-        <p:style>
-          <a:lnRef idx="2">
-            <a:schemeClr val="accent1"/>
-          </a:lnRef>
-          <a:fillRef idx="0">
-            <a:schemeClr val="accent1"/>
-          </a:fillRef>
-          <a:effectRef idx="1">
-            <a:schemeClr val="accent1"/>
-          </a:effectRef>
-          <a:fontRef idx="minor">
-            <a:schemeClr val="tx1"/>
-          </a:fontRef>
-        </p:style>
-      </p:cxnSp>
-      <p:cxnSp>
-        <p:nvCxnSpPr>
-          <p:cNvPr id="7" name="直線コネクタ 6">
-            <a:extLst>
-              <a:ext uri="{FF2B5EF4-FFF2-40B4-BE49-F238E27FC236}">
-                <a16:creationId xmlns:a16="http://schemas.microsoft.com/office/drawing/2014/main" id="{1A8A1454-4432-5B7F-BBBD-EC7D6ABA4DD0}"/>
-              </a:ext>
-            </a:extLst>
-          </p:cNvPr>
-          <p:cNvCxnSpPr>
-            <a:cxnSpLocks/>
-          </p:cNvCxnSpPr>
-          <p:nvPr/>
-        </p:nvCxnSpPr>
-        <p:spPr>
-          <a:xfrm flipH="1">
-            <a:off x="1120925" y="5227608"/>
-            <a:ext cx="4434486" cy="4520241"/>
-          </a:xfrm>
-          <a:prstGeom prst="line">
-            <a:avLst/>
-          </a:prstGeom>
-          <a:ln w="76200">
-            <a:solidFill>
+            </a:fontRef>
+          </p:style>
+        </p:cxnSp>
+        <p:cxnSp>
+          <p:nvCxnSpPr>
+            <p:cNvPr id="7" name="直線コネクタ 6">
+              <a:extLst>
+                <a:ext uri="{FF2B5EF4-FFF2-40B4-BE49-F238E27FC236}">
+                  <a16:creationId xmlns:a16="http://schemas.microsoft.com/office/drawing/2014/main" id="{1A8A1454-4432-5B7F-BBBD-EC7D6ABA4DD0}"/>
+                </a:ext>
+              </a:extLst>
+            </p:cNvPr>
+            <p:cNvCxnSpPr>
+              <a:cxnSpLocks/>
+            </p:cNvCxnSpPr>
+            <p:nvPr/>
+          </p:nvCxnSpPr>
+          <p:spPr>
+            <a:xfrm flipH="1">
+              <a:off x="1120925" y="5227608"/>
+              <a:ext cx="4434486" cy="4520241"/>
+            </a:xfrm>
+            <a:prstGeom prst="line">
+              <a:avLst/>
+            </a:prstGeom>
+            <a:ln w="1270000">
+              <a:solidFill>
+                <a:schemeClr val="tx1"/>
+              </a:solidFill>
+            </a:ln>
+          </p:spPr>
+          <p:style>
+            <a:lnRef idx="2">
+              <a:schemeClr val="accent1"/>
+            </a:lnRef>
+            <a:fillRef idx="0">
+              <a:schemeClr val="accent1"/>
+            </a:fillRef>
+            <a:effectRef idx="1">
+              <a:schemeClr val="accent1"/>
+            </a:effectRef>
+            <a:fontRef idx="minor">
               <a:schemeClr val="tx1"/>
-            </a:solidFill>
-          </a:ln>
-        </p:spPr>
-        <p:style>
-          <a:lnRef idx="2">
-            <a:schemeClr val="accent1"/>
-          </a:lnRef>
-          <a:fillRef idx="0">
-            <a:schemeClr val="accent1"/>
-          </a:fillRef>
-          <a:effectRef idx="1">
-            <a:schemeClr val="accent1"/>
-          </a:effectRef>
-          <a:fontRef idx="minor">
-            <a:schemeClr val="tx1"/>
-          </a:fontRef>
-        </p:style>
-      </p:cxnSp>
+            </a:fontRef>
+          </p:style>
+        </p:cxnSp>
+      </p:grpSp>
     </p:spTree>
     <p:extLst>
       <p:ext uri="{BB962C8B-B14F-4D97-AF65-F5344CB8AC3E}">
